--- a/Sistema de Reservas De Entradas Para Eventos_v2.pptx
+++ b/Sistema de Reservas De Entradas Para Eventos_v2.pptx
@@ -17485,7 +17485,7 @@
       </p:grpSpPr>
       <p:pic>
         <p:nvPicPr>
-          <p:cNvPr id="2" name="Imagen 1"/>
+          <p:cNvPr id="3" name="Imagen 2"/>
           <p:cNvPicPr>
             <a:picLocks noChangeAspect="1"/>
           </p:cNvPicPr>
@@ -17505,12 +17505,20 @@
         </p:blipFill>
         <p:spPr>
           <a:xfrm>
-            <a:off x="1567275" y="54324"/>
-            <a:ext cx="8303838" cy="6687999"/>
+            <a:off x="2003897" y="94889"/>
+            <a:ext cx="8229916" cy="6711352"/>
           </a:xfrm>
           <a:prstGeom prst="rect">
             <a:avLst/>
           </a:prstGeom>
+          <a:effectLst>
+            <a:glow rad="139700">
+              <a:schemeClr val="accent5">
+                <a:satMod val="175000"/>
+                <a:alpha val="40000"/>
+              </a:schemeClr>
+            </a:glow>
+          </a:effectLst>
         </p:spPr>
       </p:pic>
     </p:spTree>
